--- a/old_version/office实卡生成源文件/角色 - 副本.pptx
+++ b/old_version/office实卡生成源文件/角色 - 副本.pptx
@@ -3566,148 +3566,6 @@
           <a:chExt cx="0" cy="0"/>
         </a:xfrm>
       </p:grpSpPr>
-      <p:sp>
-        <p:nvSpPr>
-          <p:cNvPr id="6" name="任意多边形: 形状 5">
-            <a:extLst>
-              <a:ext uri="{FF2B5EF4-FFF2-40B4-BE49-F238E27FC236}">
-                <a16:creationId xmlns:a16="http://schemas.microsoft.com/office/drawing/2014/main" id="{D2BC3F9A-3EE1-09B9-EFD4-1DAEA069E11E}"/>
-              </a:ext>
-            </a:extLst>
-          </p:cNvPr>
-          <p:cNvSpPr/>
-          <p:nvPr/>
-        </p:nvSpPr>
-        <p:spPr>
-          <a:xfrm>
-            <a:off x="360051" y="432208"/>
-            <a:ext cx="1008006" cy="11664066"/>
-          </a:xfrm>
-          <a:custGeom>
-            <a:avLst/>
-            <a:gdLst>
-              <a:gd name="connsiteX0" fmla="*/ 41430 w 252000"/>
-              <a:gd name="connsiteY0" fmla="*/ 0 h 2916000"/>
-              <a:gd name="connsiteX1" fmla="*/ 252000 w 252000"/>
-              <a:gd name="connsiteY1" fmla="*/ 0 h 2916000"/>
-              <a:gd name="connsiteX2" fmla="*/ 252000 w 252000"/>
-              <a:gd name="connsiteY2" fmla="*/ 2916000 h 2916000"/>
-              <a:gd name="connsiteX3" fmla="*/ 41430 w 252000"/>
-              <a:gd name="connsiteY3" fmla="*/ 2916000 h 2916000"/>
-              <a:gd name="connsiteX4" fmla="*/ 0 w 252000"/>
-              <a:gd name="connsiteY4" fmla="*/ 2874570 h 2916000"/>
-              <a:gd name="connsiteX5" fmla="*/ 0 w 252000"/>
-              <a:gd name="connsiteY5" fmla="*/ 41430 h 2916000"/>
-              <a:gd name="connsiteX6" fmla="*/ 41430 w 252000"/>
-              <a:gd name="connsiteY6" fmla="*/ 0 h 2916000"/>
-            </a:gdLst>
-            <a:ahLst/>
-            <a:cxnLst>
-              <a:cxn ang="0">
-                <a:pos x="connsiteX0" y="connsiteY0"/>
-              </a:cxn>
-              <a:cxn ang="0">
-                <a:pos x="connsiteX1" y="connsiteY1"/>
-              </a:cxn>
-              <a:cxn ang="0">
-                <a:pos x="connsiteX2" y="connsiteY2"/>
-              </a:cxn>
-              <a:cxn ang="0">
-                <a:pos x="connsiteX3" y="connsiteY3"/>
-              </a:cxn>
-              <a:cxn ang="0">
-                <a:pos x="connsiteX4" y="connsiteY4"/>
-              </a:cxn>
-              <a:cxn ang="0">
-                <a:pos x="connsiteX5" y="connsiteY5"/>
-              </a:cxn>
-              <a:cxn ang="0">
-                <a:pos x="connsiteX6" y="connsiteY6"/>
-              </a:cxn>
-            </a:cxnLst>
-            <a:rect l="l" t="t" r="r" b="b"/>
-            <a:pathLst>
-              <a:path w="252000" h="2916000">
-                <a:moveTo>
-                  <a:pt x="41430" y="0"/>
-                </a:moveTo>
-                <a:lnTo>
-                  <a:pt x="252000" y="0"/>
-                </a:lnTo>
-                <a:lnTo>
-                  <a:pt x="252000" y="2916000"/>
-                </a:lnTo>
-                <a:lnTo>
-                  <a:pt x="41430" y="2916000"/>
-                </a:lnTo>
-                <a:cubicBezTo>
-                  <a:pt x="18549" y="2916000"/>
-                  <a:pt x="0" y="2897451"/>
-                  <a:pt x="0" y="2874570"/>
-                </a:cubicBezTo>
-                <a:lnTo>
-                  <a:pt x="0" y="41430"/>
-                </a:lnTo>
-                <a:cubicBezTo>
-                  <a:pt x="0" y="18549"/>
-                  <a:pt x="18549" y="0"/>
-                  <a:pt x="41430" y="0"/>
-                </a:cubicBezTo>
-                <a:close/>
-              </a:path>
-            </a:pathLst>
-          </a:custGeom>
-          <a:gradFill flip="none" rotWithShape="1">
-            <a:gsLst>
-              <a:gs pos="15000">
-                <a:schemeClr val="bg1">
-                  <a:alpha val="5000"/>
-                </a:schemeClr>
-              </a:gs>
-              <a:gs pos="75000">
-                <a:schemeClr val="tx1">
-                  <a:lumMod val="50000"/>
-                  <a:lumOff val="50000"/>
-                  <a:alpha val="30000"/>
-                </a:schemeClr>
-              </a:gs>
-            </a:gsLst>
-            <a:path path="circle">
-              <a:fillToRect l="50000" t="50000" r="50000" b="50000"/>
-            </a:path>
-            <a:tileRect/>
-          </a:gradFill>
-          <a:ln>
-            <a:noFill/>
-          </a:ln>
-        </p:spPr>
-        <p:style>
-          <a:lnRef idx="2">
-            <a:schemeClr val="accent1">
-              <a:shade val="50000"/>
-            </a:schemeClr>
-          </a:lnRef>
-          <a:fillRef idx="1">
-            <a:schemeClr val="accent1"/>
-          </a:fillRef>
-          <a:effectRef idx="0">
-            <a:schemeClr val="accent1"/>
-          </a:effectRef>
-          <a:fontRef idx="minor">
-            <a:schemeClr val="lt1"/>
-          </a:fontRef>
-        </p:style>
-        <p:txBody>
-          <a:bodyPr wrap="square" rtlCol="0" anchor="ctr">
-            <a:noAutofit/>
-          </a:bodyPr>
-          <a:lstStyle/>
-          <a:p>
-            <a:pPr algn="ctr"/>
-            <a:endParaRPr lang="LID4096" sz="8800" dirty="0"/>
-          </a:p>
-        </p:txBody>
-      </p:sp>
       <p:grpSp>
         <p:nvGrpSpPr>
           <p:cNvPr id="4" name="组合 3">
@@ -3916,6 +3774,148 @@
           </p:txBody>
         </p:sp>
       </p:grpSp>
+      <p:sp>
+        <p:nvSpPr>
+          <p:cNvPr id="6" name="任意多边形: 形状 5">
+            <a:extLst>
+              <a:ext uri="{FF2B5EF4-FFF2-40B4-BE49-F238E27FC236}">
+                <a16:creationId xmlns:a16="http://schemas.microsoft.com/office/drawing/2014/main" id="{D2BC3F9A-3EE1-09B9-EFD4-1DAEA069E11E}"/>
+              </a:ext>
+            </a:extLst>
+          </p:cNvPr>
+          <p:cNvSpPr/>
+          <p:nvPr/>
+        </p:nvSpPr>
+        <p:spPr>
+          <a:xfrm>
+            <a:off x="360051" y="432208"/>
+            <a:ext cx="1008006" cy="11664066"/>
+          </a:xfrm>
+          <a:custGeom>
+            <a:avLst/>
+            <a:gdLst>
+              <a:gd name="connsiteX0" fmla="*/ 41430 w 252000"/>
+              <a:gd name="connsiteY0" fmla="*/ 0 h 2916000"/>
+              <a:gd name="connsiteX1" fmla="*/ 252000 w 252000"/>
+              <a:gd name="connsiteY1" fmla="*/ 0 h 2916000"/>
+              <a:gd name="connsiteX2" fmla="*/ 252000 w 252000"/>
+              <a:gd name="connsiteY2" fmla="*/ 2916000 h 2916000"/>
+              <a:gd name="connsiteX3" fmla="*/ 41430 w 252000"/>
+              <a:gd name="connsiteY3" fmla="*/ 2916000 h 2916000"/>
+              <a:gd name="connsiteX4" fmla="*/ 0 w 252000"/>
+              <a:gd name="connsiteY4" fmla="*/ 2874570 h 2916000"/>
+              <a:gd name="connsiteX5" fmla="*/ 0 w 252000"/>
+              <a:gd name="connsiteY5" fmla="*/ 41430 h 2916000"/>
+              <a:gd name="connsiteX6" fmla="*/ 41430 w 252000"/>
+              <a:gd name="connsiteY6" fmla="*/ 0 h 2916000"/>
+            </a:gdLst>
+            <a:ahLst/>
+            <a:cxnLst>
+              <a:cxn ang="0">
+                <a:pos x="connsiteX0" y="connsiteY0"/>
+              </a:cxn>
+              <a:cxn ang="0">
+                <a:pos x="connsiteX1" y="connsiteY1"/>
+              </a:cxn>
+              <a:cxn ang="0">
+                <a:pos x="connsiteX2" y="connsiteY2"/>
+              </a:cxn>
+              <a:cxn ang="0">
+                <a:pos x="connsiteX3" y="connsiteY3"/>
+              </a:cxn>
+              <a:cxn ang="0">
+                <a:pos x="connsiteX4" y="connsiteY4"/>
+              </a:cxn>
+              <a:cxn ang="0">
+                <a:pos x="connsiteX5" y="connsiteY5"/>
+              </a:cxn>
+              <a:cxn ang="0">
+                <a:pos x="connsiteX6" y="connsiteY6"/>
+              </a:cxn>
+            </a:cxnLst>
+            <a:rect l="l" t="t" r="r" b="b"/>
+            <a:pathLst>
+              <a:path w="252000" h="2916000">
+                <a:moveTo>
+                  <a:pt x="41430" y="0"/>
+                </a:moveTo>
+                <a:lnTo>
+                  <a:pt x="252000" y="0"/>
+                </a:lnTo>
+                <a:lnTo>
+                  <a:pt x="252000" y="2916000"/>
+                </a:lnTo>
+                <a:lnTo>
+                  <a:pt x="41430" y="2916000"/>
+                </a:lnTo>
+                <a:cubicBezTo>
+                  <a:pt x="18549" y="2916000"/>
+                  <a:pt x="0" y="2897451"/>
+                  <a:pt x="0" y="2874570"/>
+                </a:cubicBezTo>
+                <a:lnTo>
+                  <a:pt x="0" y="41430"/>
+                </a:lnTo>
+                <a:cubicBezTo>
+                  <a:pt x="0" y="18549"/>
+                  <a:pt x="18549" y="0"/>
+                  <a:pt x="41430" y="0"/>
+                </a:cubicBezTo>
+                <a:close/>
+              </a:path>
+            </a:pathLst>
+          </a:custGeom>
+          <a:gradFill flip="none" rotWithShape="1">
+            <a:gsLst>
+              <a:gs pos="15000">
+                <a:schemeClr val="bg1">
+                  <a:alpha val="5000"/>
+                </a:schemeClr>
+              </a:gs>
+              <a:gs pos="75000">
+                <a:schemeClr val="tx1">
+                  <a:lumMod val="50000"/>
+                  <a:lumOff val="50000"/>
+                  <a:alpha val="30000"/>
+                </a:schemeClr>
+              </a:gs>
+            </a:gsLst>
+            <a:path path="circle">
+              <a:fillToRect l="50000" t="50000" r="50000" b="50000"/>
+            </a:path>
+            <a:tileRect/>
+          </a:gradFill>
+          <a:ln>
+            <a:noFill/>
+          </a:ln>
+        </p:spPr>
+        <p:style>
+          <a:lnRef idx="2">
+            <a:schemeClr val="accent1">
+              <a:shade val="50000"/>
+            </a:schemeClr>
+          </a:lnRef>
+          <a:fillRef idx="1">
+            <a:schemeClr val="accent1"/>
+          </a:fillRef>
+          <a:effectRef idx="0">
+            <a:schemeClr val="accent1"/>
+          </a:effectRef>
+          <a:fontRef idx="minor">
+            <a:schemeClr val="lt1"/>
+          </a:fontRef>
+        </p:style>
+        <p:txBody>
+          <a:bodyPr wrap="square" rtlCol="0" anchor="ctr">
+            <a:noAutofit/>
+          </a:bodyPr>
+          <a:lstStyle/>
+          <a:p>
+            <a:pPr algn="ctr"/>
+            <a:endParaRPr lang="LID4096" sz="8800" dirty="0"/>
+          </a:p>
+        </p:txBody>
+      </p:sp>
       <p:sp>
         <p:nvSpPr>
           <p:cNvPr id="5" name="任意多边形: 形状 4">

--- a/old_version/office实卡生成源文件/角色 - 副本.pptx
+++ b/old_version/office实卡生成源文件/角色 - 副本.pptx
@@ -6,12 +6,13 @@
   </p:sldMasterIdLst>
   <p:sldIdLst>
     <p:sldId id="256" r:id="rId2"/>
-    <p:sldId id="258" r:id="rId3"/>
-    <p:sldId id="259" r:id="rId4"/>
-    <p:sldId id="260" r:id="rId5"/>
-    <p:sldId id="265" r:id="rId6"/>
-    <p:sldId id="262" r:id="rId7"/>
-    <p:sldId id="257" r:id="rId8"/>
+    <p:sldId id="271" r:id="rId3"/>
+    <p:sldId id="258" r:id="rId4"/>
+    <p:sldId id="259" r:id="rId5"/>
+    <p:sldId id="260" r:id="rId6"/>
+    <p:sldId id="265" r:id="rId7"/>
+    <p:sldId id="262" r:id="rId8"/>
+    <p:sldId id="257" r:id="rId9"/>
   </p:sldIdLst>
   <p:sldSz cx="8928100" cy="12528550"/>
   <p:notesSz cx="6888163" cy="10018713"/>
@@ -249,7 +250,7 @@
           <a:p>
             <a:fld id="{C764DE79-268F-4C1A-8933-263129D2AF90}" type="datetimeFigureOut">
               <a:rPr lang="en-US" dirty="0"/>
-              <a:t>2/22/2023</a:t>
+              <a:t>2/23/2023</a:t>
             </a:fld>
             <a:endParaRPr lang="en-US" dirty="0"/>
           </a:p>
@@ -419,7 +420,7 @@
           <a:p>
             <a:fld id="{C764DE79-268F-4C1A-8933-263129D2AF90}" type="datetimeFigureOut">
               <a:rPr lang="en-US" dirty="0"/>
-              <a:t>2/22/2023</a:t>
+              <a:t>2/23/2023</a:t>
             </a:fld>
             <a:endParaRPr lang="en-US" dirty="0"/>
           </a:p>
@@ -599,7 +600,7 @@
           <a:p>
             <a:fld id="{C764DE79-268F-4C1A-8933-263129D2AF90}" type="datetimeFigureOut">
               <a:rPr lang="en-US" dirty="0"/>
-              <a:t>2/22/2023</a:t>
+              <a:t>2/23/2023</a:t>
             </a:fld>
             <a:endParaRPr lang="en-US" dirty="0"/>
           </a:p>
@@ -807,7 +808,7 @@
           <a:p>
             <a:fld id="{C764DE79-268F-4C1A-8933-263129D2AF90}" type="datetimeFigureOut">
               <a:rPr lang="en-US" dirty="0"/>
-              <a:t>2/22/2023</a:t>
+              <a:t>2/23/2023</a:t>
             </a:fld>
             <a:endParaRPr lang="en-US" dirty="0"/>
           </a:p>
@@ -1051,7 +1052,7 @@
           <a:p>
             <a:fld id="{C764DE79-268F-4C1A-8933-263129D2AF90}" type="datetimeFigureOut">
               <a:rPr lang="en-US" dirty="0"/>
-              <a:t>2/22/2023</a:t>
+              <a:t>2/23/2023</a:t>
             </a:fld>
             <a:endParaRPr lang="en-US" dirty="0"/>
           </a:p>
@@ -1283,7 +1284,7 @@
           <a:p>
             <a:fld id="{C764DE79-268F-4C1A-8933-263129D2AF90}" type="datetimeFigureOut">
               <a:rPr lang="en-US" dirty="0"/>
-              <a:t>2/22/2023</a:t>
+              <a:t>2/23/2023</a:t>
             </a:fld>
             <a:endParaRPr lang="en-US" dirty="0"/>
           </a:p>
@@ -1650,7 +1651,7 @@
           <a:p>
             <a:fld id="{C764DE79-268F-4C1A-8933-263129D2AF90}" type="datetimeFigureOut">
               <a:rPr lang="en-US" dirty="0"/>
-              <a:t>2/22/2023</a:t>
+              <a:t>2/23/2023</a:t>
             </a:fld>
             <a:endParaRPr lang="en-US" dirty="0"/>
           </a:p>
@@ -1768,7 +1769,7 @@
           <a:p>
             <a:fld id="{C764DE79-268F-4C1A-8933-263129D2AF90}" type="datetimeFigureOut">
               <a:rPr lang="en-US" dirty="0"/>
-              <a:t>2/22/2023</a:t>
+              <a:t>2/23/2023</a:t>
             </a:fld>
             <a:endParaRPr lang="en-US" dirty="0"/>
           </a:p>
@@ -1863,7 +1864,7 @@
           <a:p>
             <a:fld id="{C764DE79-268F-4C1A-8933-263129D2AF90}" type="datetimeFigureOut">
               <a:rPr lang="en-US" dirty="0"/>
-              <a:t>2/22/2023</a:t>
+              <a:t>2/23/2023</a:t>
             </a:fld>
             <a:endParaRPr lang="en-US" dirty="0"/>
           </a:p>
@@ -2140,7 +2141,7 @@
           <a:p>
             <a:fld id="{C764DE79-268F-4C1A-8933-263129D2AF90}" type="datetimeFigureOut">
               <a:rPr lang="en-US" dirty="0"/>
-              <a:t>2/22/2023</a:t>
+              <a:t>2/23/2023</a:t>
             </a:fld>
             <a:endParaRPr lang="en-US" dirty="0"/>
           </a:p>
@@ -2397,7 +2398,7 @@
           <a:p>
             <a:fld id="{C764DE79-268F-4C1A-8933-263129D2AF90}" type="datetimeFigureOut">
               <a:rPr lang="en-US" dirty="0"/>
-              <a:t>2/22/2023</a:t>
+              <a:t>2/23/2023</a:t>
             </a:fld>
             <a:endParaRPr lang="en-US" dirty="0"/>
           </a:p>
@@ -2610,7 +2611,7 @@
           <a:p>
             <a:fld id="{C764DE79-268F-4C1A-8933-263129D2AF90}" type="datetimeFigureOut">
               <a:rPr lang="en-US" dirty="0"/>
-              <a:t>2/22/2023</a:t>
+              <a:t>2/23/2023</a:t>
             </a:fld>
             <a:endParaRPr lang="en-US" dirty="0"/>
           </a:p>
@@ -3566,6 +3567,529 @@
           <a:chExt cx="0" cy="0"/>
         </a:xfrm>
       </p:grpSpPr>
+      <p:sp>
+        <p:nvSpPr>
+          <p:cNvPr id="32" name="八边形 31">
+            <a:extLst>
+              <a:ext uri="{FF2B5EF4-FFF2-40B4-BE49-F238E27FC236}">
+                <a16:creationId xmlns:a16="http://schemas.microsoft.com/office/drawing/2014/main" id="{37A57FF1-257B-1276-5E64-876D27F1EA11}"/>
+              </a:ext>
+            </a:extLst>
+          </p:cNvPr>
+          <p:cNvSpPr>
+            <a:spLocks noChangeAspect="1"/>
+          </p:cNvSpPr>
+          <p:nvPr/>
+        </p:nvSpPr>
+        <p:spPr>
+          <a:xfrm>
+            <a:off x="3834050" y="6410466"/>
+            <a:ext cx="1260000" cy="1260000"/>
+          </a:xfrm>
+          <a:prstGeom prst="octagon">
+            <a:avLst/>
+          </a:prstGeom>
+          <a:solidFill>
+            <a:schemeClr val="accent6">
+              <a:lumMod val="75000"/>
+            </a:schemeClr>
+          </a:solidFill>
+          <a:ln>
+            <a:noFill/>
+          </a:ln>
+          <a:effectLst/>
+          <a:scene3d>
+            <a:camera prst="orthographicFront">
+              <a:rot lat="0" lon="0" rev="0"/>
+            </a:camera>
+            <a:lightRig rig="twoPt" dir="t"/>
+          </a:scene3d>
+          <a:sp3d prstMaterial="softEdge">
+            <a:bevelT w="304800" h="254000"/>
+            <a:contourClr>
+              <a:schemeClr val="bg1"/>
+            </a:contourClr>
+          </a:sp3d>
+        </p:spPr>
+        <p:style>
+          <a:lnRef idx="2">
+            <a:schemeClr val="accent1">
+              <a:shade val="50000"/>
+            </a:schemeClr>
+          </a:lnRef>
+          <a:fillRef idx="1">
+            <a:schemeClr val="accent1"/>
+          </a:fillRef>
+          <a:effectRef idx="0">
+            <a:schemeClr val="accent1"/>
+          </a:effectRef>
+          <a:fontRef idx="minor">
+            <a:schemeClr val="lt1"/>
+          </a:fontRef>
+        </p:style>
+        <p:txBody>
+          <a:bodyPr rtlCol="0" anchor="ctr"/>
+          <a:lstStyle/>
+          <a:p>
+            <a:pPr algn="ctr"/>
+            <a:endParaRPr lang="LID4096" sz="8800"/>
+          </a:p>
+        </p:txBody>
+      </p:sp>
+      <p:sp>
+        <p:nvSpPr>
+          <p:cNvPr id="33" name="八边形 32">
+            <a:extLst>
+              <a:ext uri="{FF2B5EF4-FFF2-40B4-BE49-F238E27FC236}">
+                <a16:creationId xmlns:a16="http://schemas.microsoft.com/office/drawing/2014/main" id="{73DC4054-7088-4F74-18EE-C6ECA3B769F8}"/>
+              </a:ext>
+            </a:extLst>
+          </p:cNvPr>
+          <p:cNvSpPr>
+            <a:spLocks noChangeAspect="1"/>
+          </p:cNvSpPr>
+          <p:nvPr/>
+        </p:nvSpPr>
+        <p:spPr>
+          <a:xfrm>
+            <a:off x="6375118" y="6405239"/>
+            <a:ext cx="1260000" cy="1260000"/>
+          </a:xfrm>
+          <a:prstGeom prst="octagon">
+            <a:avLst/>
+          </a:prstGeom>
+          <a:solidFill>
+            <a:schemeClr val="bg1">
+              <a:lumMod val="50000"/>
+            </a:schemeClr>
+          </a:solidFill>
+          <a:ln>
+            <a:noFill/>
+          </a:ln>
+          <a:effectLst/>
+          <a:scene3d>
+            <a:camera prst="orthographicFront">
+              <a:rot lat="0" lon="0" rev="0"/>
+            </a:camera>
+            <a:lightRig rig="twoPt" dir="t"/>
+          </a:scene3d>
+          <a:sp3d prstMaterial="softEdge">
+            <a:bevelT w="304800" h="254000"/>
+            <a:contourClr>
+              <a:schemeClr val="bg1"/>
+            </a:contourClr>
+          </a:sp3d>
+        </p:spPr>
+        <p:style>
+          <a:lnRef idx="2">
+            <a:schemeClr val="accent1">
+              <a:shade val="50000"/>
+            </a:schemeClr>
+          </a:lnRef>
+          <a:fillRef idx="1">
+            <a:schemeClr val="accent1"/>
+          </a:fillRef>
+          <a:effectRef idx="0">
+            <a:schemeClr val="accent1"/>
+          </a:effectRef>
+          <a:fontRef idx="minor">
+            <a:schemeClr val="lt1"/>
+          </a:fontRef>
+        </p:style>
+        <p:txBody>
+          <a:bodyPr rtlCol="0" anchor="ctr"/>
+          <a:lstStyle/>
+          <a:p>
+            <a:pPr algn="ctr"/>
+            <a:endParaRPr lang="LID4096" sz="8800"/>
+          </a:p>
+        </p:txBody>
+      </p:sp>
+      <p:sp>
+        <p:nvSpPr>
+          <p:cNvPr id="38" name="图形 21" descr="盾 纯色填充">
+            <a:extLst>
+              <a:ext uri="{FF2B5EF4-FFF2-40B4-BE49-F238E27FC236}">
+                <a16:creationId xmlns:a16="http://schemas.microsoft.com/office/drawing/2014/main" id="{E8F47E00-C20D-5CC0-E401-F247A4699C66}"/>
+              </a:ext>
+            </a:extLst>
+          </p:cNvPr>
+          <p:cNvSpPr>
+            <a:spLocks noChangeAspect="1"/>
+          </p:cNvSpPr>
+          <p:nvPr/>
+        </p:nvSpPr>
+        <p:spPr>
+          <a:xfrm>
+            <a:off x="946473" y="6410466"/>
+            <a:ext cx="1056803" cy="1260000"/>
+          </a:xfrm>
+          <a:custGeom>
+            <a:avLst/>
+            <a:gdLst>
+              <a:gd name="connsiteX0" fmla="*/ 138027 w 254764"/>
+              <a:gd name="connsiteY0" fmla="*/ 4875 h 303749"/>
+              <a:gd name="connsiteX1" fmla="*/ 241797 w 254764"/>
+              <a:gd name="connsiteY1" fmla="*/ 55673 h 303749"/>
+              <a:gd name="connsiteX2" fmla="*/ 254764 w 254764"/>
+              <a:gd name="connsiteY2" fmla="*/ 70016 h 303749"/>
+              <a:gd name="connsiteX3" fmla="*/ 254764 w 254764"/>
+              <a:gd name="connsiteY3" fmla="*/ 106219 h 303749"/>
+              <a:gd name="connsiteX4" fmla="*/ 135218 w 254764"/>
+              <a:gd name="connsiteY4" fmla="*/ 301451 h 303749"/>
+              <a:gd name="connsiteX5" fmla="*/ 119547 w 254764"/>
+              <a:gd name="connsiteY5" fmla="*/ 301451 h 303749"/>
+              <a:gd name="connsiteX6" fmla="*/ 0 w 254764"/>
+              <a:gd name="connsiteY6" fmla="*/ 106219 h 303749"/>
+              <a:gd name="connsiteX7" fmla="*/ 0 w 254764"/>
+              <a:gd name="connsiteY7" fmla="*/ 70016 h 303749"/>
+              <a:gd name="connsiteX8" fmla="*/ 12968 w 254764"/>
+              <a:gd name="connsiteY8" fmla="*/ 55673 h 303749"/>
+              <a:gd name="connsiteX9" fmla="*/ 116738 w 254764"/>
+              <a:gd name="connsiteY9" fmla="*/ 4875 h 303749"/>
+              <a:gd name="connsiteX10" fmla="*/ 136566 w 254764"/>
+              <a:gd name="connsiteY10" fmla="*/ 3415 h 303749"/>
+              <a:gd name="connsiteX11" fmla="*/ 138027 w 254764"/>
+              <a:gd name="connsiteY11" fmla="*/ 4875 h 303749"/>
+            </a:gdLst>
+            <a:ahLst/>
+            <a:cxnLst>
+              <a:cxn ang="0">
+                <a:pos x="connsiteX0" y="connsiteY0"/>
+              </a:cxn>
+              <a:cxn ang="0">
+                <a:pos x="connsiteX1" y="connsiteY1"/>
+              </a:cxn>
+              <a:cxn ang="0">
+                <a:pos x="connsiteX2" y="connsiteY2"/>
+              </a:cxn>
+              <a:cxn ang="0">
+                <a:pos x="connsiteX3" y="connsiteY3"/>
+              </a:cxn>
+              <a:cxn ang="0">
+                <a:pos x="connsiteX4" y="connsiteY4"/>
+              </a:cxn>
+              <a:cxn ang="0">
+                <a:pos x="connsiteX5" y="connsiteY5"/>
+              </a:cxn>
+              <a:cxn ang="0">
+                <a:pos x="connsiteX6" y="connsiteY6"/>
+              </a:cxn>
+              <a:cxn ang="0">
+                <a:pos x="connsiteX7" y="connsiteY7"/>
+              </a:cxn>
+              <a:cxn ang="0">
+                <a:pos x="connsiteX8" y="connsiteY8"/>
+              </a:cxn>
+              <a:cxn ang="0">
+                <a:pos x="connsiteX9" y="connsiteY9"/>
+              </a:cxn>
+              <a:cxn ang="0">
+                <a:pos x="connsiteX10" y="connsiteY10"/>
+              </a:cxn>
+              <a:cxn ang="0">
+                <a:pos x="connsiteX11" y="connsiteY11"/>
+              </a:cxn>
+            </a:cxnLst>
+            <a:rect l="l" t="t" r="r" b="b"/>
+            <a:pathLst>
+              <a:path w="254764" h="303749">
+                <a:moveTo>
+                  <a:pt x="138027" y="4875"/>
+                </a:moveTo>
+                <a:cubicBezTo>
+                  <a:pt x="164933" y="34341"/>
+                  <a:pt x="202021" y="52496"/>
+                  <a:pt x="241797" y="55673"/>
+                </a:cubicBezTo>
+                <a:cubicBezTo>
+                  <a:pt x="249186" y="56365"/>
+                  <a:pt x="254818" y="62595"/>
+                  <a:pt x="254764" y="70016"/>
+                </a:cubicBezTo>
+                <a:lnTo>
+                  <a:pt x="254764" y="106219"/>
+                </a:lnTo>
+                <a:cubicBezTo>
+                  <a:pt x="254764" y="184913"/>
+                  <a:pt x="204713" y="256905"/>
+                  <a:pt x="135218" y="301451"/>
+                </a:cubicBezTo>
+                <a:cubicBezTo>
+                  <a:pt x="130443" y="304515"/>
+                  <a:pt x="124321" y="304515"/>
+                  <a:pt x="119547" y="301451"/>
+                </a:cubicBezTo>
+                <a:cubicBezTo>
+                  <a:pt x="50052" y="256905"/>
+                  <a:pt x="0" y="184913"/>
+                  <a:pt x="0" y="106219"/>
+                </a:cubicBezTo>
+                <a:lnTo>
+                  <a:pt x="0" y="70016"/>
+                </a:lnTo>
+                <a:cubicBezTo>
+                  <a:pt x="-53" y="62595"/>
+                  <a:pt x="5579" y="56365"/>
+                  <a:pt x="12968" y="55673"/>
+                </a:cubicBezTo>
+                <a:cubicBezTo>
+                  <a:pt x="52744" y="52496"/>
+                  <a:pt x="89832" y="34341"/>
+                  <a:pt x="116738" y="4875"/>
+                </a:cubicBezTo>
+                <a:cubicBezTo>
+                  <a:pt x="121810" y="-1004"/>
+                  <a:pt x="130688" y="-1658"/>
+                  <a:pt x="136566" y="3415"/>
+                </a:cubicBezTo>
+                <a:cubicBezTo>
+                  <a:pt x="137088" y="3865"/>
+                  <a:pt x="137576" y="4353"/>
+                  <a:pt x="138027" y="4875"/>
+                </a:cubicBezTo>
+                <a:close/>
+              </a:path>
+            </a:pathLst>
+          </a:custGeom>
+          <a:solidFill>
+            <a:schemeClr val="accent4">
+              <a:lumMod val="60000"/>
+              <a:lumOff val="40000"/>
+            </a:schemeClr>
+          </a:solidFill>
+          <a:ln>
+            <a:noFill/>
+          </a:ln>
+          <a:effectLst/>
+          <a:scene3d>
+            <a:camera prst="orthographicFront">
+              <a:rot lat="0" lon="0" rev="0"/>
+            </a:camera>
+            <a:lightRig rig="twoPt" dir="t"/>
+          </a:scene3d>
+          <a:sp3d prstMaterial="softEdge">
+            <a:bevelT w="101600" h="127000" prst="convex"/>
+            <a:contourClr>
+              <a:schemeClr val="bg1"/>
+            </a:contourClr>
+          </a:sp3d>
+        </p:spPr>
+        <p:style>
+          <a:lnRef idx="2">
+            <a:schemeClr val="accent1">
+              <a:shade val="50000"/>
+            </a:schemeClr>
+          </a:lnRef>
+          <a:fillRef idx="1">
+            <a:schemeClr val="accent1"/>
+          </a:fillRef>
+          <a:effectRef idx="0">
+            <a:schemeClr val="accent1"/>
+          </a:effectRef>
+          <a:fontRef idx="minor">
+            <a:schemeClr val="lt1"/>
+          </a:fontRef>
+        </p:style>
+        <p:txBody>
+          <a:bodyPr rtlCol="0" anchor="ctr"/>
+          <a:lstStyle/>
+          <a:p>
+            <a:pPr algn="ctr"/>
+            <a:endParaRPr lang="zh-CN" altLang="en-US" sz="8800" dirty="0">
+              <a:solidFill>
+                <a:schemeClr val="lt1"/>
+              </a:solidFill>
+            </a:endParaRPr>
+          </a:p>
+        </p:txBody>
+      </p:sp>
+      <p:sp>
+        <p:nvSpPr>
+          <p:cNvPr id="19" name="矩形 18">
+            <a:extLst>
+              <a:ext uri="{FF2B5EF4-FFF2-40B4-BE49-F238E27FC236}">
+                <a16:creationId xmlns:a16="http://schemas.microsoft.com/office/drawing/2014/main" id="{749EEF64-33F4-A7C8-EA9B-F0CDA7BB18D8}"/>
+              </a:ext>
+            </a:extLst>
+          </p:cNvPr>
+          <p:cNvSpPr/>
+          <p:nvPr/>
+        </p:nvSpPr>
+        <p:spPr>
+          <a:xfrm>
+            <a:off x="758663" y="6315239"/>
+            <a:ext cx="1440000" cy="1440000"/>
+          </a:xfrm>
+          <a:prstGeom prst="rect">
+            <a:avLst/>
+          </a:prstGeom>
+          <a:noFill/>
+          <a:ln w="38100">
+            <a:solidFill>
+              <a:schemeClr val="tx1"/>
+            </a:solidFill>
+          </a:ln>
+        </p:spPr>
+        <p:style>
+          <a:lnRef idx="2">
+            <a:schemeClr val="accent1">
+              <a:shade val="50000"/>
+            </a:schemeClr>
+          </a:lnRef>
+          <a:fillRef idx="1">
+            <a:schemeClr val="accent1"/>
+          </a:fillRef>
+          <a:effectRef idx="0">
+            <a:schemeClr val="accent1"/>
+          </a:effectRef>
+          <a:fontRef idx="minor">
+            <a:schemeClr val="lt1"/>
+          </a:fontRef>
+        </p:style>
+        <p:txBody>
+          <a:bodyPr rtlCol="0" anchor="ctr"/>
+          <a:lstStyle/>
+          <a:p>
+            <a:pPr algn="ctr"/>
+            <a:endParaRPr lang="zh-CN" altLang="en-US" dirty="0"/>
+          </a:p>
+        </p:txBody>
+      </p:sp>
+      <p:sp>
+        <p:nvSpPr>
+          <p:cNvPr id="20" name="矩形 19">
+            <a:extLst>
+              <a:ext uri="{FF2B5EF4-FFF2-40B4-BE49-F238E27FC236}">
+                <a16:creationId xmlns:a16="http://schemas.microsoft.com/office/drawing/2014/main" id="{F90CBDCF-545F-C012-67ED-8AFD3A46ED18}"/>
+              </a:ext>
+            </a:extLst>
+          </p:cNvPr>
+          <p:cNvSpPr/>
+          <p:nvPr/>
+        </p:nvSpPr>
+        <p:spPr>
+          <a:xfrm>
+            <a:off x="3744050" y="6315239"/>
+            <a:ext cx="1440000" cy="1440000"/>
+          </a:xfrm>
+          <a:prstGeom prst="rect">
+            <a:avLst/>
+          </a:prstGeom>
+          <a:noFill/>
+          <a:ln w="38100">
+            <a:solidFill>
+              <a:schemeClr val="tx1"/>
+            </a:solidFill>
+          </a:ln>
+        </p:spPr>
+        <p:style>
+          <a:lnRef idx="2">
+            <a:schemeClr val="accent1">
+              <a:shade val="50000"/>
+            </a:schemeClr>
+          </a:lnRef>
+          <a:fillRef idx="1">
+            <a:schemeClr val="accent1"/>
+          </a:fillRef>
+          <a:effectRef idx="0">
+            <a:schemeClr val="accent1"/>
+          </a:effectRef>
+          <a:fontRef idx="minor">
+            <a:schemeClr val="lt1"/>
+          </a:fontRef>
+        </p:style>
+        <p:txBody>
+          <a:bodyPr rtlCol="0" anchor="ctr"/>
+          <a:lstStyle/>
+          <a:p>
+            <a:pPr algn="ctr"/>
+            <a:endParaRPr lang="zh-CN" altLang="en-US" dirty="0"/>
+          </a:p>
+        </p:txBody>
+      </p:sp>
+      <p:sp>
+        <p:nvSpPr>
+          <p:cNvPr id="21" name="矩形 20">
+            <a:extLst>
+              <a:ext uri="{FF2B5EF4-FFF2-40B4-BE49-F238E27FC236}">
+                <a16:creationId xmlns:a16="http://schemas.microsoft.com/office/drawing/2014/main" id="{6AFE5BBD-3FD0-09B7-7AB4-5064C778F30F}"/>
+              </a:ext>
+            </a:extLst>
+          </p:cNvPr>
+          <p:cNvSpPr/>
+          <p:nvPr/>
+        </p:nvSpPr>
+        <p:spPr>
+          <a:xfrm>
+            <a:off x="6285118" y="6315239"/>
+            <a:ext cx="1440000" cy="1440000"/>
+          </a:xfrm>
+          <a:prstGeom prst="rect">
+            <a:avLst/>
+          </a:prstGeom>
+          <a:noFill/>
+          <a:ln w="38100">
+            <a:solidFill>
+              <a:schemeClr val="tx1"/>
+            </a:solidFill>
+          </a:ln>
+        </p:spPr>
+        <p:style>
+          <a:lnRef idx="2">
+            <a:schemeClr val="accent1">
+              <a:shade val="50000"/>
+            </a:schemeClr>
+          </a:lnRef>
+          <a:fillRef idx="1">
+            <a:schemeClr val="accent1"/>
+          </a:fillRef>
+          <a:effectRef idx="0">
+            <a:schemeClr val="accent1"/>
+          </a:effectRef>
+          <a:fontRef idx="minor">
+            <a:schemeClr val="lt1"/>
+          </a:fontRef>
+        </p:style>
+        <p:txBody>
+          <a:bodyPr rtlCol="0" anchor="ctr"/>
+          <a:lstStyle/>
+          <a:p>
+            <a:pPr algn="ctr"/>
+            <a:endParaRPr lang="zh-CN" altLang="en-US" dirty="0"/>
+          </a:p>
+        </p:txBody>
+      </p:sp>
+    </p:spTree>
+    <p:extLst>
+      <p:ext uri="{BB962C8B-B14F-4D97-AF65-F5344CB8AC3E}">
+        <p14:creationId xmlns:p14="http://schemas.microsoft.com/office/powerpoint/2010/main" val="3419128201"/>
+      </p:ext>
+    </p:extLst>
+  </p:cSld>
+  <p:clrMapOvr>
+    <a:masterClrMapping/>
+  </p:clrMapOvr>
+</p:sld>
+</file>
+
+<file path=ppt/slides/slide3.xml><?xml version="1.0" encoding="utf-8"?>
+<p:sld xmlns:a="http://schemas.openxmlformats.org/drawingml/2006/main" xmlns:r="http://schemas.openxmlformats.org/officeDocument/2006/relationships" xmlns:p="http://schemas.openxmlformats.org/presentationml/2006/main">
+  <p:cSld>
+    <p:spTree>
+      <p:nvGrpSpPr>
+        <p:cNvPr id="1" name=""/>
+        <p:cNvGrpSpPr/>
+        <p:nvPr/>
+      </p:nvGrpSpPr>
+      <p:grpSpPr>
+        <a:xfrm>
+          <a:off x="0" y="0"/>
+          <a:ext cx="0" cy="0"/>
+          <a:chOff x="0" y="0"/>
+          <a:chExt cx="0" cy="0"/>
+        </a:xfrm>
+      </p:grpSpPr>
       <p:grpSp>
         <p:nvGrpSpPr>
           <p:cNvPr id="4" name="组合 3">
@@ -4099,7 +4623,7 @@
 </p:sld>
 </file>
 
-<file path=ppt/slides/slide3.xml><?xml version="1.0" encoding="utf-8"?>
+<file path=ppt/slides/slide4.xml><?xml version="1.0" encoding="utf-8"?>
 <p:sld xmlns:a="http://schemas.openxmlformats.org/drawingml/2006/main" xmlns:r="http://schemas.openxmlformats.org/officeDocument/2006/relationships" xmlns:p="http://schemas.openxmlformats.org/presentationml/2006/main">
   <p:cSld>
     <p:spTree>
@@ -4649,7 +5173,7 @@
 </p:sld>
 </file>
 
-<file path=ppt/slides/slide4.xml><?xml version="1.0" encoding="utf-8"?>
+<file path=ppt/slides/slide5.xml><?xml version="1.0" encoding="utf-8"?>
 <p:sld xmlns:a="http://schemas.openxmlformats.org/drawingml/2006/main" xmlns:r="http://schemas.openxmlformats.org/officeDocument/2006/relationships" xmlns:p="http://schemas.openxmlformats.org/presentationml/2006/main">
   <p:cSld>
     <p:spTree>
@@ -5199,7 +5723,7 @@
 </p:sld>
 </file>
 
-<file path=ppt/slides/slide5.xml><?xml version="1.0" encoding="utf-8"?>
+<file path=ppt/slides/slide6.xml><?xml version="1.0" encoding="utf-8"?>
 <p:sld xmlns:a="http://schemas.openxmlformats.org/drawingml/2006/main" xmlns:r="http://schemas.openxmlformats.org/officeDocument/2006/relationships" xmlns:p="http://schemas.openxmlformats.org/presentationml/2006/main">
   <p:cSld>
     <p:spTree>
@@ -5749,7 +6273,7 @@
 </p:sld>
 </file>
 
-<file path=ppt/slides/slide6.xml><?xml version="1.0" encoding="utf-8"?>
+<file path=ppt/slides/slide7.xml><?xml version="1.0" encoding="utf-8"?>
 <p:sld xmlns:a="http://schemas.openxmlformats.org/drawingml/2006/main" xmlns:r="http://schemas.openxmlformats.org/officeDocument/2006/relationships" xmlns:p="http://schemas.openxmlformats.org/presentationml/2006/main">
   <p:cSld>
     <p:spTree>
@@ -6299,7 +6823,7 @@
 </p:sld>
 </file>
 
-<file path=ppt/slides/slide7.xml><?xml version="1.0" encoding="utf-8"?>
+<file path=ppt/slides/slide8.xml><?xml version="1.0" encoding="utf-8"?>
 <p:sld xmlns:a="http://schemas.openxmlformats.org/drawingml/2006/main" xmlns:r="http://schemas.openxmlformats.org/officeDocument/2006/relationships" xmlns:p="http://schemas.openxmlformats.org/presentationml/2006/main">
   <p:cSld>
     <p:spTree>
